--- a/Examples/Data/Charts/out.pptx
+++ b/Examples/Data/Charts/out.pptx
@@ -1,6 +1,6 @@
 
 <file path=ppt/presentation.xml><?xml version="1.0" encoding="utf-8"?>
-<!--Generated by Aspose.Slides for .NET 19.5-->
+<!--Generated by Aspose.Slides for .NET 19.6-->
 <p:presentation xmlns:r="http://schemas.openxmlformats.org/officeDocument/2006/relationships" xmlns:a="http://schemas.openxmlformats.org/drawingml/2006/main" xmlns:p="http://schemas.openxmlformats.org/presentationml/2006/main" saveSubsetFonts="1">
   <p:sldMasterIdLst>
     <p:sldMasterId id="2147483648" r:id="rId1"/>
@@ -543,7 +543,7 @@
           <a:bodyPr/>
           <a:lstStyle/>
           <a:p>
-            <a:fld id="{1086F239-FD82-49B8-B153-523B48106A02}" type="datetimeFigureOut">
+            <a:fld id="{BBA12C6E-D002-4934-B558-FCFF6C4BB991}" type="datetimeFigureOut">
               <a:rPr lang="en-US" smtClean="0"/>
               <a:t>11/7/2009</a:t>
             </a:fld>
@@ -707,7 +707,7 @@
           <a:bodyPr/>
           <a:lstStyle/>
           <a:p>
-            <a:fld id="{3DB860AE-1811-432E-A81A-7E667F978F64}" type="datetimeFigureOut">
+            <a:fld id="{B4A66035-1955-49AF-B0BF-EF5C7CDA17AD}" type="datetimeFigureOut">
               <a:rPr lang="en-US" smtClean="0"/>
               <a:t>11/7/2009</a:t>
             </a:fld>
@@ -871,7 +871,7 @@
           <a:bodyPr/>
           <a:lstStyle/>
           <a:p>
-            <a:fld id="{D3A1713D-FFB6-4363-81B7-3702FF311B1A}" type="datetimeFigureOut">
+            <a:fld id="{46A5F79C-060F-4BBA-B2A9-215553ACB87E}" type="datetimeFigureOut">
               <a:rPr lang="en-US" smtClean="0"/>
               <a:t>11/7/2009</a:t>
             </a:fld>
@@ -1035,7 +1035,7 @@
           <a:bodyPr/>
           <a:lstStyle/>
           <a:p>
-            <a:fld id="{5C96FB09-4D3F-4473-BE80-15252489DEB4}" type="datetimeFigureOut">
+            <a:fld id="{D45C71AD-83F8-4A6D-95E6-5F5CF59248DD}" type="datetimeFigureOut">
               <a:rPr lang="en-US" smtClean="0"/>
               <a:t>11/7/2009</a:t>
             </a:fld>
@@ -1265,7 +1265,7 @@
           <a:bodyPr/>
           <a:lstStyle/>
           <a:p>
-            <a:fld id="{515DCFAE-56C8-4C16-8710-BE1A538FDF4A}" type="datetimeFigureOut">
+            <a:fld id="{8C6D967D-C923-4045-BE60-F49D87543B9D}" type="datetimeFigureOut">
               <a:rPr lang="en-US" smtClean="0"/>
               <a:t>11/7/2009</a:t>
             </a:fld>
@@ -1536,7 +1536,7 @@
           <a:bodyPr/>
           <a:lstStyle/>
           <a:p>
-            <a:fld id="{A9F6EF48-58BD-4723-8133-FB889953EC65}" type="datetimeFigureOut">
+            <a:fld id="{EF01F542-8CE7-43F9-835A-EFFAF86D1D87}" type="datetimeFigureOut">
               <a:rPr lang="en-US" smtClean="0"/>
               <a:t>11/7/2009</a:t>
             </a:fld>
@@ -1925,7 +1925,7 @@
           <a:bodyPr/>
           <a:lstStyle/>
           <a:p>
-            <a:fld id="{DD62ED4B-2483-48AF-B9A2-17DF734CC7FD}" type="datetimeFigureOut">
+            <a:fld id="{5B742010-4C18-41C8-AF5D-85C39F8815D1}" type="datetimeFigureOut">
               <a:rPr lang="en-US" smtClean="0"/>
               <a:t>11/7/2009</a:t>
             </a:fld>
@@ -2038,7 +2038,7 @@
           <a:bodyPr/>
           <a:lstStyle/>
           <a:p>
-            <a:fld id="{B05851C4-7BD9-4066-89E3-36FA927B6909}" type="datetimeFigureOut">
+            <a:fld id="{A96A49FB-3899-4BC6-B889-CCF5B6F507F7}" type="datetimeFigureOut">
               <a:rPr lang="en-US" smtClean="0"/>
               <a:t>11/7/2009</a:t>
             </a:fld>
@@ -2128,7 +2128,7 @@
           <a:bodyPr/>
           <a:lstStyle/>
           <a:p>
-            <a:fld id="{5C3B9664-E478-414E-A7D6-E6862A0786A9}" type="datetimeFigureOut">
+            <a:fld id="{621BCCBE-6CA4-4ACE-86CD-A44637922A1F}" type="datetimeFigureOut">
               <a:rPr lang="en-US" smtClean="0"/>
               <a:t>11/7/2009</a:t>
             </a:fld>
@@ -2383,7 +2383,7 @@
           <a:bodyPr/>
           <a:lstStyle/>
           <a:p>
-            <a:fld id="{87F944EC-6D24-4472-BDA4-C2E0DA9297B5}" type="datetimeFigureOut">
+            <a:fld id="{8F97DEAE-5F90-4F92-8267-161664EA8D7C}" type="datetimeFigureOut">
               <a:rPr lang="en-US" smtClean="0"/>
               <a:t>11/7/2009</a:t>
             </a:fld>
@@ -2615,7 +2615,7 @@
           <a:bodyPr/>
           <a:lstStyle/>
           <a:p>
-            <a:fld id="{169B5896-3506-46D6-850A-022318A0625C}" type="datetimeFigureOut">
+            <a:fld id="{BF915F87-CEE4-4387-B2F8-9C57D6C40FB6}" type="datetimeFigureOut">
               <a:rPr lang="en-US" smtClean="0"/>
               <a:t>11/7/2009</a:t>
             </a:fld>
@@ -3210,77 +3210,6 @@
           </a:graphicData>
         </a:graphic>
       </p:graphicFrame>
-      <p:sp>
-        <p:nvSpPr>
-          <p:cNvPr id="3" name="TextBox"/>
-          <p:cNvSpPr txBox="1">
-            <a:spLocks noGrp="1" noSelect="1" noRot="1" noMove="1"/>
-          </p:cNvSpPr>
-          <p:nvPr/>
-        </p:nvSpPr>
-        <p:spPr>
-          <a:xfrm>
-            <a:off x="1366520" y="2644140"/>
-            <a:ext cx="6411372" cy="1569660"/>
-          </a:xfrm>
-          <a:prstGeom prst="rect">
-            <a:avLst/>
-          </a:prstGeom>
-          <a:noFill/>
-        </p:spPr>
-        <p:txBody>
-          <a:bodyPr wrap="none" rtlCol="0" anchor="ctr" anchorCtr="1">
-            <a:spAutoFit/>
-          </a:bodyPr>
-          <a:lstStyle>
-            <a:lvl1pPr algn="l">
-              <a:lnSpc>
-                <a:spcPct val="150000"/>
-              </a:lnSpc>
-              <a:spcBef>
-                <a:spcPct val="0"/>
-              </a:spcBef>
-              <a:spcAft>
-                <a:spcPct val="0"/>
-              </a:spcAft>
-              <a:defRPr lang="en-US" sz="3200" b="1" noProof="1" dirty="0">
-                <a:solidFill>
-                  <a:prstClr val="red">
-                    <a:lumOff val="30000"/>
-                    <a:alpha val="40000"/>
-                  </a:prstClr>
-                </a:solidFill>
-                <a:effectLst>
-                  <a:outerShdw blurRad="50800" dist="38100" algn="tr" rotWithShape="0">
-                    <a:prstClr val="black">
-                      <a:alpha val="80000"/>
-                    </a:prstClr>
-                  </a:outerShdw>
-                </a:effectLst>
-                <a:latin typeface="Calibri" pitchFamily="34" charset="0"/>
-              </a:defRPr>
-            </a:lvl1pPr>
-          </a:lstStyle>
-          <a:p>
-            <a:pPr algn="ctr"/>
-            <a:r>
-              <a:t>Evaluation only.</a:t>
-            </a:r>
-          </a:p>
-          <a:p>
-            <a:pPr algn="ctr"/>
-            <a:r>
-              <a:t>Created with Aspose.Slides for .NET 4.0 Client Profile 19.5.</a:t>
-            </a:r>
-          </a:p>
-          <a:p>
-            <a:pPr algn="ctr"/>
-            <a:r>
-              <a:t>Copyright 2004-2019Aspose Pty Ltd.</a:t>
-            </a:r>
-          </a:p>
-        </p:txBody>
-      </p:sp>
     </p:spTree>
   </p:cSld>
   <p:clrMapOvr>
@@ -3295,9 +3224,9 @@
 <p:tagLst xmlns:p="http://schemas.openxmlformats.org/presentationml/2006/main">
   <p:tag name="AS_NET" val="4.0.30319.42000"/>
   <p:tag name="AS_OS" val="Microsoft Windows NT 6.2.9200.0"/>
-  <p:tag name="AS_RELEASE_DATE" val="2019.05.17"/>
+  <p:tag name="AS_RELEASE_DATE" val="2019.06.14"/>
   <p:tag name="AS_TITLE" val="Aspose.Slides for .NET 4.0 Client Profile"/>
-  <p:tag name="AS_VERSION" val="19.5"/>
+  <p:tag name="AS_VERSION" val="19.6"/>
 </p:tagLst>
 </file>
 

--- a/Examples/Data/Charts/out.pptx
+++ b/Examples/Data/Charts/out.pptx
@@ -1,6 +1,6 @@
 
 <file path=ppt/presentation.xml><?xml version="1.0" encoding="utf-8"?>
-<!--Generated by Aspose.Slides for .NET 19.6-->
+<!--Generated by Aspose.Slides for .NET 21.12-->
 <p:presentation xmlns:r="http://schemas.openxmlformats.org/officeDocument/2006/relationships" xmlns:a="http://schemas.openxmlformats.org/drawingml/2006/main" xmlns:p="http://schemas.openxmlformats.org/presentationml/2006/main" saveSubsetFonts="1">
   <p:sldMasterIdLst>
     <p:sldMasterId id="2147483648" r:id="rId1"/>
@@ -112,7 +112,7 @@
 </file>
 
 <file path=ppt/charts/chart1.xml><?xml version="1.0" encoding="utf-8"?>
-<c:chartSpace xmlns:a="http://schemas.openxmlformats.org/drawingml/2006/main" xmlns:r="http://schemas.openxmlformats.org/officeDocument/2006/relationships" xmlns:c="http://schemas.openxmlformats.org/drawingml/2006/chart">
+<c:chartSpace xmlns:a="http://schemas.openxmlformats.org/drawingml/2006/main" xmlns:r="http://schemas.openxmlformats.org/officeDocument/2006/relationships" xmlns:m="http://schemas.openxmlformats.org/officeDocument/2006/math" xmlns:w="http://schemas.openxmlformats.org/wordprocessingml/2006/main" xmlns:wp="http://schemas.openxmlformats.org/drawingml/2006/wordprocessingDrawing" xmlns:a14="http://schemas.microsoft.com/office/drawing/2010/main" xmlns:c="http://schemas.openxmlformats.org/drawingml/2006/chart">
   <c:date1904 val="0"/>
   <c:lang val="ru-RU"/>
   <c:roundedCorners val="1"/>
@@ -377,11 +377,11 @@
 </file>
 
 <file path=ppt/slideLayouts/slideLayout1.xml><?xml version="1.0" encoding="utf-8"?>
-<p:sldLayout xmlns:a="http://schemas.openxmlformats.org/drawingml/2006/main" xmlns:r="http://schemas.openxmlformats.org/officeDocument/2006/relationships" xmlns:p14="http://schemas.microsoft.com/office/powerpoint/2010/main" xmlns:a14="http://schemas.microsoft.com/office/drawing/2010/main" xmlns:p15="http://schemas.microsoft.com/office/powerpoint/2012/main" xmlns:p159="http://schemas.microsoft.com/office/powerpoint/2015/09/main" xmlns:p="http://schemas.openxmlformats.org/presentationml/2006/main" type="title" preserve="1">
+<p:sldLayout xmlns:a="http://schemas.openxmlformats.org/drawingml/2006/main" xmlns:r="http://schemas.openxmlformats.org/officeDocument/2006/relationships" xmlns:m="http://schemas.openxmlformats.org/officeDocument/2006/math" xmlns:w="http://schemas.openxmlformats.org/wordprocessingml/2006/main" xmlns:wp="http://schemas.openxmlformats.org/drawingml/2006/wordprocessingDrawing" xmlns:a14="http://schemas.microsoft.com/office/drawing/2010/main" xmlns:mc="http://schemas.openxmlformats.org/markup-compatibility/2006" xmlns:p14="http://schemas.microsoft.com/office/powerpoint/2010/main" xmlns:p15="http://schemas.microsoft.com/office/powerpoint/2012/main" xmlns:p159="http://schemas.microsoft.com/office/powerpoint/2015/09/main" xmlns:p="http://schemas.openxmlformats.org/presentationml/2006/main" type="title" preserve="1">
   <p:cSld name="Title Slide">
     <p:spTree>
       <p:nvGrpSpPr>
-        <p:cNvPr id="1" name=""/>
+        <p:cNvPr id="1" name="" title=""/>
         <p:cNvGrpSpPr/>
         <p:nvPr/>
       </p:nvGrpSpPr>
@@ -393,7 +393,7 @@
       </p:grpSpPr>
       <p:sp>
         <p:nvSpPr>
-          <p:cNvPr id="2" name="Title 1"/>
+          <p:cNvPr id="2" name="Title 1" title=""/>
           <p:cNvSpPr>
             <a:spLocks noGrp="1"/>
           </p:cNvSpPr>
@@ -416,7 +416,7 @@
       </p:sp>
       <p:sp>
         <p:nvSpPr>
-          <p:cNvPr id="3" name="Subtitle 2"/>
+          <p:cNvPr id="3" name="Subtitle 2" title=""/>
           <p:cNvSpPr>
             <a:spLocks noGrp="1"/>
           </p:cNvSpPr>
@@ -530,7 +530,7 @@
       </p:sp>
       <p:sp>
         <p:nvSpPr>
-          <p:cNvPr id="4" name="Date Placeholder 3"/>
+          <p:cNvPr id="4" name="Date Placeholder 3" title=""/>
           <p:cNvSpPr>
             <a:spLocks noGrp="1"/>
           </p:cNvSpPr>
@@ -543,7 +543,7 @@
           <a:bodyPr/>
           <a:lstStyle/>
           <a:p>
-            <a:fld id="{BBA12C6E-D002-4934-B558-FCFF6C4BB991}" type="datetimeFigureOut">
+            <a:fld id="{76B8C72C-2CA2-4640-BDE1-7ACB2030D6D9}" type="datetimeFigureOut">
               <a:rPr lang="en-US" smtClean="0"/>
               <a:t>11/7/2009</a:t>
             </a:fld>
@@ -553,7 +553,7 @@
       </p:sp>
       <p:sp>
         <p:nvSpPr>
-          <p:cNvPr id="5" name="Footer Placeholder 4"/>
+          <p:cNvPr id="5" name="Footer Placeholder 4" title=""/>
           <p:cNvSpPr>
             <a:spLocks noGrp="1"/>
           </p:cNvSpPr>
@@ -572,7 +572,7 @@
       </p:sp>
       <p:sp>
         <p:nvSpPr>
-          <p:cNvPr id="6" name="Slide Number Placeholder 5"/>
+          <p:cNvPr id="6" name="Slide Number Placeholder 5" title=""/>
           <p:cNvSpPr>
             <a:spLocks noGrp="1"/>
           </p:cNvSpPr>
@@ -604,11 +604,11 @@
 </file>
 
 <file path=ppt/slideLayouts/slideLayout10.xml><?xml version="1.0" encoding="utf-8"?>
-<p:sldLayout xmlns:a="http://schemas.openxmlformats.org/drawingml/2006/main" xmlns:r="http://schemas.openxmlformats.org/officeDocument/2006/relationships" xmlns:p14="http://schemas.microsoft.com/office/powerpoint/2010/main" xmlns:a14="http://schemas.microsoft.com/office/drawing/2010/main" xmlns:p15="http://schemas.microsoft.com/office/powerpoint/2012/main" xmlns:p159="http://schemas.microsoft.com/office/powerpoint/2015/09/main" xmlns:p="http://schemas.openxmlformats.org/presentationml/2006/main" type="vertTx" preserve="1">
+<p:sldLayout xmlns:a="http://schemas.openxmlformats.org/drawingml/2006/main" xmlns:r="http://schemas.openxmlformats.org/officeDocument/2006/relationships" xmlns:m="http://schemas.openxmlformats.org/officeDocument/2006/math" xmlns:w="http://schemas.openxmlformats.org/wordprocessingml/2006/main" xmlns:wp="http://schemas.openxmlformats.org/drawingml/2006/wordprocessingDrawing" xmlns:a14="http://schemas.microsoft.com/office/drawing/2010/main" xmlns:mc="http://schemas.openxmlformats.org/markup-compatibility/2006" xmlns:p14="http://schemas.microsoft.com/office/powerpoint/2010/main" xmlns:p15="http://schemas.microsoft.com/office/powerpoint/2012/main" xmlns:p159="http://schemas.microsoft.com/office/powerpoint/2015/09/main" xmlns:p="http://schemas.openxmlformats.org/presentationml/2006/main" type="vertTx" preserve="1">
   <p:cSld name="Title and Vertical Text">
     <p:spTree>
       <p:nvGrpSpPr>
-        <p:cNvPr id="1" name=""/>
+        <p:cNvPr id="1" name="" title=""/>
         <p:cNvGrpSpPr/>
         <p:nvPr/>
       </p:nvGrpSpPr>
@@ -620,7 +620,7 @@
       </p:grpSpPr>
       <p:sp>
         <p:nvSpPr>
-          <p:cNvPr id="2" name="Title 1"/>
+          <p:cNvPr id="2" name="Title 1" title=""/>
           <p:cNvSpPr>
             <a:spLocks noGrp="1"/>
           </p:cNvSpPr>
@@ -643,7 +643,7 @@
       </p:sp>
       <p:sp>
         <p:nvSpPr>
-          <p:cNvPr id="3" name="Vertical Text Placeholder 2"/>
+          <p:cNvPr id="3" name="Vertical Text Placeholder 2" title=""/>
           <p:cNvSpPr>
             <a:spLocks noGrp="1"/>
           </p:cNvSpPr>
@@ -694,7 +694,7 @@
       </p:sp>
       <p:sp>
         <p:nvSpPr>
-          <p:cNvPr id="4" name="Date Placeholder 3"/>
+          <p:cNvPr id="4" name="Date Placeholder 3" title=""/>
           <p:cNvSpPr>
             <a:spLocks noGrp="1"/>
           </p:cNvSpPr>
@@ -707,7 +707,7 @@
           <a:bodyPr/>
           <a:lstStyle/>
           <a:p>
-            <a:fld id="{B4A66035-1955-49AF-B0BF-EF5C7CDA17AD}" type="datetimeFigureOut">
+            <a:fld id="{BB118D32-1496-42E0-974C-3C2B9B719AC2}" type="datetimeFigureOut">
               <a:rPr lang="en-US" smtClean="0"/>
               <a:t>11/7/2009</a:t>
             </a:fld>
@@ -717,7 +717,7 @@
       </p:sp>
       <p:sp>
         <p:nvSpPr>
-          <p:cNvPr id="5" name="Footer Placeholder 4"/>
+          <p:cNvPr id="5" name="Footer Placeholder 4" title=""/>
           <p:cNvSpPr>
             <a:spLocks noGrp="1"/>
           </p:cNvSpPr>
@@ -736,7 +736,7 @@
       </p:sp>
       <p:sp>
         <p:nvSpPr>
-          <p:cNvPr id="6" name="Slide Number Placeholder 5"/>
+          <p:cNvPr id="6" name="Slide Number Placeholder 5" title=""/>
           <p:cNvSpPr>
             <a:spLocks noGrp="1"/>
           </p:cNvSpPr>
@@ -768,11 +768,11 @@
 </file>
 
 <file path=ppt/slideLayouts/slideLayout11.xml><?xml version="1.0" encoding="utf-8"?>
-<p:sldLayout xmlns:a="http://schemas.openxmlformats.org/drawingml/2006/main" xmlns:r="http://schemas.openxmlformats.org/officeDocument/2006/relationships" xmlns:p14="http://schemas.microsoft.com/office/powerpoint/2010/main" xmlns:a14="http://schemas.microsoft.com/office/drawing/2010/main" xmlns:p15="http://schemas.microsoft.com/office/powerpoint/2012/main" xmlns:p159="http://schemas.microsoft.com/office/powerpoint/2015/09/main" xmlns:p="http://schemas.openxmlformats.org/presentationml/2006/main" type="vertTitleAndTx" preserve="1">
+<p:sldLayout xmlns:a="http://schemas.openxmlformats.org/drawingml/2006/main" xmlns:r="http://schemas.openxmlformats.org/officeDocument/2006/relationships" xmlns:m="http://schemas.openxmlformats.org/officeDocument/2006/math" xmlns:w="http://schemas.openxmlformats.org/wordprocessingml/2006/main" xmlns:wp="http://schemas.openxmlformats.org/drawingml/2006/wordprocessingDrawing" xmlns:a14="http://schemas.microsoft.com/office/drawing/2010/main" xmlns:mc="http://schemas.openxmlformats.org/markup-compatibility/2006" xmlns:p14="http://schemas.microsoft.com/office/powerpoint/2010/main" xmlns:p15="http://schemas.microsoft.com/office/powerpoint/2012/main" xmlns:p159="http://schemas.microsoft.com/office/powerpoint/2015/09/main" xmlns:p="http://schemas.openxmlformats.org/presentationml/2006/main" type="vertTitleAndTx" preserve="1">
   <p:cSld name="Vertical Title and Text">
     <p:spTree>
       <p:nvGrpSpPr>
-        <p:cNvPr id="1" name=""/>
+        <p:cNvPr id="1" name="" title=""/>
         <p:cNvGrpSpPr/>
         <p:nvPr/>
       </p:nvGrpSpPr>
@@ -784,7 +784,7 @@
       </p:grpSpPr>
       <p:sp>
         <p:nvSpPr>
-          <p:cNvPr id="2" name="Vertical Title 1"/>
+          <p:cNvPr id="2" name="Vertical Title 1" title=""/>
           <p:cNvSpPr>
             <a:spLocks noGrp="1"/>
           </p:cNvSpPr>
@@ -807,7 +807,7 @@
       </p:sp>
       <p:sp>
         <p:nvSpPr>
-          <p:cNvPr id="3" name="Vertical Text Placeholder 2"/>
+          <p:cNvPr id="3" name="Vertical Text Placeholder 2" title=""/>
           <p:cNvSpPr>
             <a:spLocks noGrp="1"/>
           </p:cNvSpPr>
@@ -858,7 +858,7 @@
       </p:sp>
       <p:sp>
         <p:nvSpPr>
-          <p:cNvPr id="4" name="Date Placeholder 3"/>
+          <p:cNvPr id="4" name="Date Placeholder 3" title=""/>
           <p:cNvSpPr>
             <a:spLocks noGrp="1"/>
           </p:cNvSpPr>
@@ -871,7 +871,7 @@
           <a:bodyPr/>
           <a:lstStyle/>
           <a:p>
-            <a:fld id="{46A5F79C-060F-4BBA-B2A9-215553ACB87E}" type="datetimeFigureOut">
+            <a:fld id="{1B46FD65-8AFD-4EAD-98FF-FDA146EFF276}" type="datetimeFigureOut">
               <a:rPr lang="en-US" smtClean="0"/>
               <a:t>11/7/2009</a:t>
             </a:fld>
@@ -881,7 +881,7 @@
       </p:sp>
       <p:sp>
         <p:nvSpPr>
-          <p:cNvPr id="5" name="Footer Placeholder 4"/>
+          <p:cNvPr id="5" name="Footer Placeholder 4" title=""/>
           <p:cNvSpPr>
             <a:spLocks noGrp="1"/>
           </p:cNvSpPr>
@@ -900,7 +900,7 @@
       </p:sp>
       <p:sp>
         <p:nvSpPr>
-          <p:cNvPr id="6" name="Slide Number Placeholder 5"/>
+          <p:cNvPr id="6" name="Slide Number Placeholder 5" title=""/>
           <p:cNvSpPr>
             <a:spLocks noGrp="1"/>
           </p:cNvSpPr>
@@ -932,11 +932,11 @@
 </file>
 
 <file path=ppt/slideLayouts/slideLayout2.xml><?xml version="1.0" encoding="utf-8"?>
-<p:sldLayout xmlns:a="http://schemas.openxmlformats.org/drawingml/2006/main" xmlns:r="http://schemas.openxmlformats.org/officeDocument/2006/relationships" xmlns:p14="http://schemas.microsoft.com/office/powerpoint/2010/main" xmlns:a14="http://schemas.microsoft.com/office/drawing/2010/main" xmlns:p15="http://schemas.microsoft.com/office/powerpoint/2012/main" xmlns:p159="http://schemas.microsoft.com/office/powerpoint/2015/09/main" xmlns:p="http://schemas.openxmlformats.org/presentationml/2006/main" type="obj" preserve="1">
+<p:sldLayout xmlns:a="http://schemas.openxmlformats.org/drawingml/2006/main" xmlns:r="http://schemas.openxmlformats.org/officeDocument/2006/relationships" xmlns:m="http://schemas.openxmlformats.org/officeDocument/2006/math" xmlns:w="http://schemas.openxmlformats.org/wordprocessingml/2006/main" xmlns:wp="http://schemas.openxmlformats.org/drawingml/2006/wordprocessingDrawing" xmlns:a14="http://schemas.microsoft.com/office/drawing/2010/main" xmlns:mc="http://schemas.openxmlformats.org/markup-compatibility/2006" xmlns:p14="http://schemas.microsoft.com/office/powerpoint/2010/main" xmlns:p15="http://schemas.microsoft.com/office/powerpoint/2012/main" xmlns:p159="http://schemas.microsoft.com/office/powerpoint/2015/09/main" xmlns:p="http://schemas.openxmlformats.org/presentationml/2006/main" type="obj" preserve="1">
   <p:cSld name="Title and Content">
     <p:spTree>
       <p:nvGrpSpPr>
-        <p:cNvPr id="1" name=""/>
+        <p:cNvPr id="1" name="" title=""/>
         <p:cNvGrpSpPr/>
         <p:nvPr/>
       </p:nvGrpSpPr>
@@ -948,7 +948,7 @@
       </p:grpSpPr>
       <p:sp>
         <p:nvSpPr>
-          <p:cNvPr id="2" name="Title 1"/>
+          <p:cNvPr id="2" name="Title 1" title=""/>
           <p:cNvSpPr>
             <a:spLocks noGrp="1"/>
           </p:cNvSpPr>
@@ -971,7 +971,7 @@
       </p:sp>
       <p:sp>
         <p:nvSpPr>
-          <p:cNvPr id="3" name="Content Placeholder 2"/>
+          <p:cNvPr id="3" name="Content Placeholder 2" title=""/>
           <p:cNvSpPr>
             <a:spLocks noGrp="1"/>
           </p:cNvSpPr>
@@ -1022,7 +1022,7 @@
       </p:sp>
       <p:sp>
         <p:nvSpPr>
-          <p:cNvPr id="4" name="Date Placeholder 3"/>
+          <p:cNvPr id="4" name="Date Placeholder 3" title=""/>
           <p:cNvSpPr>
             <a:spLocks noGrp="1"/>
           </p:cNvSpPr>
@@ -1035,7 +1035,7 @@
           <a:bodyPr/>
           <a:lstStyle/>
           <a:p>
-            <a:fld id="{D45C71AD-83F8-4A6D-95E6-5F5CF59248DD}" type="datetimeFigureOut">
+            <a:fld id="{352E8AAD-BBC9-4070-A994-D522967CFF61}" type="datetimeFigureOut">
               <a:rPr lang="en-US" smtClean="0"/>
               <a:t>11/7/2009</a:t>
             </a:fld>
@@ -1045,7 +1045,7 @@
       </p:sp>
       <p:sp>
         <p:nvSpPr>
-          <p:cNvPr id="5" name="Footer Placeholder 4"/>
+          <p:cNvPr id="5" name="Footer Placeholder 4" title=""/>
           <p:cNvSpPr>
             <a:spLocks noGrp="1"/>
           </p:cNvSpPr>
@@ -1064,7 +1064,7 @@
       </p:sp>
       <p:sp>
         <p:nvSpPr>
-          <p:cNvPr id="6" name="Slide Number Placeholder 5"/>
+          <p:cNvPr id="6" name="Slide Number Placeholder 5" title=""/>
           <p:cNvSpPr>
             <a:spLocks noGrp="1"/>
           </p:cNvSpPr>
@@ -1096,11 +1096,11 @@
 </file>
 
 <file path=ppt/slideLayouts/slideLayout3.xml><?xml version="1.0" encoding="utf-8"?>
-<p:sldLayout xmlns:a="http://schemas.openxmlformats.org/drawingml/2006/main" xmlns:r="http://schemas.openxmlformats.org/officeDocument/2006/relationships" xmlns:p14="http://schemas.microsoft.com/office/powerpoint/2010/main" xmlns:a14="http://schemas.microsoft.com/office/drawing/2010/main" xmlns:p15="http://schemas.microsoft.com/office/powerpoint/2012/main" xmlns:p159="http://schemas.microsoft.com/office/powerpoint/2015/09/main" xmlns:p="http://schemas.openxmlformats.org/presentationml/2006/main" type="secHead" preserve="1">
+<p:sldLayout xmlns:a="http://schemas.openxmlformats.org/drawingml/2006/main" xmlns:r="http://schemas.openxmlformats.org/officeDocument/2006/relationships" xmlns:m="http://schemas.openxmlformats.org/officeDocument/2006/math" xmlns:w="http://schemas.openxmlformats.org/wordprocessingml/2006/main" xmlns:wp="http://schemas.openxmlformats.org/drawingml/2006/wordprocessingDrawing" xmlns:a14="http://schemas.microsoft.com/office/drawing/2010/main" xmlns:mc="http://schemas.openxmlformats.org/markup-compatibility/2006" xmlns:p14="http://schemas.microsoft.com/office/powerpoint/2010/main" xmlns:p15="http://schemas.microsoft.com/office/powerpoint/2012/main" xmlns:p159="http://schemas.microsoft.com/office/powerpoint/2015/09/main" xmlns:p="http://schemas.openxmlformats.org/presentationml/2006/main" type="secHead" preserve="1">
   <p:cSld name="Section Header">
     <p:spTree>
       <p:nvGrpSpPr>
-        <p:cNvPr id="1" name=""/>
+        <p:cNvPr id="1" name="" title=""/>
         <p:cNvGrpSpPr/>
         <p:nvPr/>
       </p:nvGrpSpPr>
@@ -1112,7 +1112,7 @@
       </p:grpSpPr>
       <p:sp>
         <p:nvSpPr>
-          <p:cNvPr id="2" name="Title 1"/>
+          <p:cNvPr id="2" name="Title 1" title=""/>
           <p:cNvSpPr>
             <a:spLocks noGrp="1"/>
           </p:cNvSpPr>
@@ -1139,7 +1139,7 @@
       </p:sp>
       <p:sp>
         <p:nvSpPr>
-          <p:cNvPr id="3" name="Text Placeholder 2"/>
+          <p:cNvPr id="3" name="Text Placeholder 2" title=""/>
           <p:cNvSpPr>
             <a:spLocks noGrp="1"/>
           </p:cNvSpPr>
@@ -1252,7 +1252,7 @@
       </p:sp>
       <p:sp>
         <p:nvSpPr>
-          <p:cNvPr id="4" name="Date Placeholder 3"/>
+          <p:cNvPr id="4" name="Date Placeholder 3" title=""/>
           <p:cNvSpPr>
             <a:spLocks noGrp="1"/>
           </p:cNvSpPr>
@@ -1265,7 +1265,7 @@
           <a:bodyPr/>
           <a:lstStyle/>
           <a:p>
-            <a:fld id="{8C6D967D-C923-4045-BE60-F49D87543B9D}" type="datetimeFigureOut">
+            <a:fld id="{A5335B8B-478F-40E8-A2C3-6ECB028A2147}" type="datetimeFigureOut">
               <a:rPr lang="en-US" smtClean="0"/>
               <a:t>11/7/2009</a:t>
             </a:fld>
@@ -1275,7 +1275,7 @@
       </p:sp>
       <p:sp>
         <p:nvSpPr>
-          <p:cNvPr id="5" name="Footer Placeholder 4"/>
+          <p:cNvPr id="5" name="Footer Placeholder 4" title=""/>
           <p:cNvSpPr>
             <a:spLocks noGrp="1"/>
           </p:cNvSpPr>
@@ -1294,7 +1294,7 @@
       </p:sp>
       <p:sp>
         <p:nvSpPr>
-          <p:cNvPr id="6" name="Slide Number Placeholder 5"/>
+          <p:cNvPr id="6" name="Slide Number Placeholder 5" title=""/>
           <p:cNvSpPr>
             <a:spLocks noGrp="1"/>
           </p:cNvSpPr>
@@ -1326,11 +1326,11 @@
 </file>
 
 <file path=ppt/slideLayouts/slideLayout4.xml><?xml version="1.0" encoding="utf-8"?>
-<p:sldLayout xmlns:a="http://schemas.openxmlformats.org/drawingml/2006/main" xmlns:r="http://schemas.openxmlformats.org/officeDocument/2006/relationships" xmlns:p14="http://schemas.microsoft.com/office/powerpoint/2010/main" xmlns:a14="http://schemas.microsoft.com/office/drawing/2010/main" xmlns:p15="http://schemas.microsoft.com/office/powerpoint/2012/main" xmlns:p159="http://schemas.microsoft.com/office/powerpoint/2015/09/main" xmlns:p="http://schemas.openxmlformats.org/presentationml/2006/main" type="twoObj" preserve="1">
+<p:sldLayout xmlns:a="http://schemas.openxmlformats.org/drawingml/2006/main" xmlns:r="http://schemas.openxmlformats.org/officeDocument/2006/relationships" xmlns:m="http://schemas.openxmlformats.org/officeDocument/2006/math" xmlns:w="http://schemas.openxmlformats.org/wordprocessingml/2006/main" xmlns:wp="http://schemas.openxmlformats.org/drawingml/2006/wordprocessingDrawing" xmlns:a14="http://schemas.microsoft.com/office/drawing/2010/main" xmlns:mc="http://schemas.openxmlformats.org/markup-compatibility/2006" xmlns:p14="http://schemas.microsoft.com/office/powerpoint/2010/main" xmlns:p15="http://schemas.microsoft.com/office/powerpoint/2012/main" xmlns:p159="http://schemas.microsoft.com/office/powerpoint/2015/09/main" xmlns:p="http://schemas.openxmlformats.org/presentationml/2006/main" type="twoObj" preserve="1">
   <p:cSld name="Two Content">
     <p:spTree>
       <p:nvGrpSpPr>
-        <p:cNvPr id="1" name=""/>
+        <p:cNvPr id="1" name="" title=""/>
         <p:cNvGrpSpPr/>
         <p:nvPr/>
       </p:nvGrpSpPr>
@@ -1342,7 +1342,7 @@
       </p:grpSpPr>
       <p:sp>
         <p:nvSpPr>
-          <p:cNvPr id="2" name="Title 1"/>
+          <p:cNvPr id="2" name="Title 1" title=""/>
           <p:cNvSpPr>
             <a:spLocks noGrp="1"/>
           </p:cNvSpPr>
@@ -1365,7 +1365,7 @@
       </p:sp>
       <p:sp>
         <p:nvSpPr>
-          <p:cNvPr id="3" name="Content Placeholder 2"/>
+          <p:cNvPr id="3" name="Content Placeholder 2" title=""/>
           <p:cNvSpPr>
             <a:spLocks noGrp="1"/>
           </p:cNvSpPr>
@@ -1444,7 +1444,7 @@
       </p:sp>
       <p:sp>
         <p:nvSpPr>
-          <p:cNvPr id="4" name="Content Placeholder 3"/>
+          <p:cNvPr id="4" name="Content Placeholder 3" title=""/>
           <p:cNvSpPr>
             <a:spLocks noGrp="1"/>
           </p:cNvSpPr>
@@ -1523,7 +1523,7 @@
       </p:sp>
       <p:sp>
         <p:nvSpPr>
-          <p:cNvPr id="5" name="Date Placeholder 4"/>
+          <p:cNvPr id="5" name="Date Placeholder 4" title=""/>
           <p:cNvSpPr>
             <a:spLocks noGrp="1"/>
           </p:cNvSpPr>
@@ -1536,7 +1536,7 @@
           <a:bodyPr/>
           <a:lstStyle/>
           <a:p>
-            <a:fld id="{EF01F542-8CE7-43F9-835A-EFFAF86D1D87}" type="datetimeFigureOut">
+            <a:fld id="{F328066B-E0F0-473A-B0F2-9473D690663F}" type="datetimeFigureOut">
               <a:rPr lang="en-US" smtClean="0"/>
               <a:t>11/7/2009</a:t>
             </a:fld>
@@ -1546,7 +1546,7 @@
       </p:sp>
       <p:sp>
         <p:nvSpPr>
-          <p:cNvPr id="6" name="Footer Placeholder 5"/>
+          <p:cNvPr id="6" name="Footer Placeholder 5" title=""/>
           <p:cNvSpPr>
             <a:spLocks noGrp="1"/>
           </p:cNvSpPr>
@@ -1565,7 +1565,7 @@
       </p:sp>
       <p:sp>
         <p:nvSpPr>
-          <p:cNvPr id="7" name="Slide Number Placeholder 6"/>
+          <p:cNvPr id="7" name="Slide Number Placeholder 6" title=""/>
           <p:cNvSpPr>
             <a:spLocks noGrp="1"/>
           </p:cNvSpPr>
@@ -1597,11 +1597,11 @@
 </file>
 
 <file path=ppt/slideLayouts/slideLayout5.xml><?xml version="1.0" encoding="utf-8"?>
-<p:sldLayout xmlns:a="http://schemas.openxmlformats.org/drawingml/2006/main" xmlns:r="http://schemas.openxmlformats.org/officeDocument/2006/relationships" xmlns:p14="http://schemas.microsoft.com/office/powerpoint/2010/main" xmlns:a14="http://schemas.microsoft.com/office/drawing/2010/main" xmlns:p15="http://schemas.microsoft.com/office/powerpoint/2012/main" xmlns:p159="http://schemas.microsoft.com/office/powerpoint/2015/09/main" xmlns:p="http://schemas.openxmlformats.org/presentationml/2006/main" type="twoTxTwoObj" preserve="1">
+<p:sldLayout xmlns:a="http://schemas.openxmlformats.org/drawingml/2006/main" xmlns:r="http://schemas.openxmlformats.org/officeDocument/2006/relationships" xmlns:m="http://schemas.openxmlformats.org/officeDocument/2006/math" xmlns:w="http://schemas.openxmlformats.org/wordprocessingml/2006/main" xmlns:wp="http://schemas.openxmlformats.org/drawingml/2006/wordprocessingDrawing" xmlns:a14="http://schemas.microsoft.com/office/drawing/2010/main" xmlns:mc="http://schemas.openxmlformats.org/markup-compatibility/2006" xmlns:p14="http://schemas.microsoft.com/office/powerpoint/2010/main" xmlns:p15="http://schemas.microsoft.com/office/powerpoint/2012/main" xmlns:p159="http://schemas.microsoft.com/office/powerpoint/2015/09/main" xmlns:p="http://schemas.openxmlformats.org/presentationml/2006/main" type="twoTxTwoObj" preserve="1">
   <p:cSld name="Comparison">
     <p:spTree>
       <p:nvGrpSpPr>
-        <p:cNvPr id="1" name=""/>
+        <p:cNvPr id="1" name="" title=""/>
         <p:cNvGrpSpPr/>
         <p:nvPr/>
       </p:nvGrpSpPr>
@@ -1613,7 +1613,7 @@
       </p:grpSpPr>
       <p:sp>
         <p:nvSpPr>
-          <p:cNvPr id="2" name="Title 1"/>
+          <p:cNvPr id="2" name="Title 1" title=""/>
           <p:cNvSpPr>
             <a:spLocks noGrp="1"/>
           </p:cNvSpPr>
@@ -1636,7 +1636,7 @@
       </p:sp>
       <p:sp>
         <p:nvSpPr>
-          <p:cNvPr id="3" name="Text Placeholder 2"/>
+          <p:cNvPr id="3" name="Text Placeholder 2" title=""/>
           <p:cNvSpPr>
             <a:spLocks noGrp="1"/>
           </p:cNvSpPr>
@@ -1695,7 +1695,7 @@
       </p:sp>
       <p:sp>
         <p:nvSpPr>
-          <p:cNvPr id="4" name="Content Placeholder 3"/>
+          <p:cNvPr id="4" name="Content Placeholder 3" title=""/>
           <p:cNvSpPr>
             <a:spLocks noGrp="1"/>
           </p:cNvSpPr>
@@ -1774,7 +1774,7 @@
       </p:sp>
       <p:sp>
         <p:nvSpPr>
-          <p:cNvPr id="5" name="Text Placeholder 4"/>
+          <p:cNvPr id="5" name="Text Placeholder 4" title=""/>
           <p:cNvSpPr>
             <a:spLocks noGrp="1"/>
           </p:cNvSpPr>
@@ -1833,7 +1833,7 @@
       </p:sp>
       <p:sp>
         <p:nvSpPr>
-          <p:cNvPr id="6" name="Content Placeholder 5"/>
+          <p:cNvPr id="6" name="Content Placeholder 5" title=""/>
           <p:cNvSpPr>
             <a:spLocks noGrp="1"/>
           </p:cNvSpPr>
@@ -1912,7 +1912,7 @@
       </p:sp>
       <p:sp>
         <p:nvSpPr>
-          <p:cNvPr id="7" name="Date Placeholder 6"/>
+          <p:cNvPr id="7" name="Date Placeholder 6" title=""/>
           <p:cNvSpPr>
             <a:spLocks noGrp="1"/>
           </p:cNvSpPr>
@@ -1925,7 +1925,7 @@
           <a:bodyPr/>
           <a:lstStyle/>
           <a:p>
-            <a:fld id="{5B742010-4C18-41C8-AF5D-85C39F8815D1}" type="datetimeFigureOut">
+            <a:fld id="{C71C0A29-F8C8-4302-AB67-9B60B8C8AA0A}" type="datetimeFigureOut">
               <a:rPr lang="en-US" smtClean="0"/>
               <a:t>11/7/2009</a:t>
             </a:fld>
@@ -1935,7 +1935,7 @@
       </p:sp>
       <p:sp>
         <p:nvSpPr>
-          <p:cNvPr id="8" name="Footer Placeholder 7"/>
+          <p:cNvPr id="8" name="Footer Placeholder 7" title=""/>
           <p:cNvSpPr>
             <a:spLocks noGrp="1"/>
           </p:cNvSpPr>
@@ -1954,7 +1954,7 @@
       </p:sp>
       <p:sp>
         <p:nvSpPr>
-          <p:cNvPr id="9" name="Slide Number Placeholder 8"/>
+          <p:cNvPr id="9" name="Slide Number Placeholder 8" title=""/>
           <p:cNvSpPr>
             <a:spLocks noGrp="1"/>
           </p:cNvSpPr>
@@ -1986,11 +1986,11 @@
 </file>
 
 <file path=ppt/slideLayouts/slideLayout6.xml><?xml version="1.0" encoding="utf-8"?>
-<p:sldLayout xmlns:a="http://schemas.openxmlformats.org/drawingml/2006/main" xmlns:r="http://schemas.openxmlformats.org/officeDocument/2006/relationships" xmlns:p14="http://schemas.microsoft.com/office/powerpoint/2010/main" xmlns:a14="http://schemas.microsoft.com/office/drawing/2010/main" xmlns:p15="http://schemas.microsoft.com/office/powerpoint/2012/main" xmlns:p159="http://schemas.microsoft.com/office/powerpoint/2015/09/main" xmlns:p="http://schemas.openxmlformats.org/presentationml/2006/main" type="titleOnly" preserve="1">
+<p:sldLayout xmlns:a="http://schemas.openxmlformats.org/drawingml/2006/main" xmlns:r="http://schemas.openxmlformats.org/officeDocument/2006/relationships" xmlns:m="http://schemas.openxmlformats.org/officeDocument/2006/math" xmlns:w="http://schemas.openxmlformats.org/wordprocessingml/2006/main" xmlns:wp="http://schemas.openxmlformats.org/drawingml/2006/wordprocessingDrawing" xmlns:a14="http://schemas.microsoft.com/office/drawing/2010/main" xmlns:mc="http://schemas.openxmlformats.org/markup-compatibility/2006" xmlns:p14="http://schemas.microsoft.com/office/powerpoint/2010/main" xmlns:p15="http://schemas.microsoft.com/office/powerpoint/2012/main" xmlns:p159="http://schemas.microsoft.com/office/powerpoint/2015/09/main" xmlns:p="http://schemas.openxmlformats.org/presentationml/2006/main" type="titleOnly" preserve="1">
   <p:cSld name="Title Only">
     <p:spTree>
       <p:nvGrpSpPr>
-        <p:cNvPr id="1" name=""/>
+        <p:cNvPr id="1" name="" title=""/>
         <p:cNvGrpSpPr/>
         <p:nvPr/>
       </p:nvGrpSpPr>
@@ -2002,7 +2002,7 @@
       </p:grpSpPr>
       <p:sp>
         <p:nvSpPr>
-          <p:cNvPr id="2" name="Title 1"/>
+          <p:cNvPr id="2" name="Title 1" title=""/>
           <p:cNvSpPr>
             <a:spLocks noGrp="1"/>
           </p:cNvSpPr>
@@ -2025,7 +2025,7 @@
       </p:sp>
       <p:sp>
         <p:nvSpPr>
-          <p:cNvPr id="3" name="Date Placeholder 2"/>
+          <p:cNvPr id="3" name="Date Placeholder 2" title=""/>
           <p:cNvSpPr>
             <a:spLocks noGrp="1"/>
           </p:cNvSpPr>
@@ -2038,7 +2038,7 @@
           <a:bodyPr/>
           <a:lstStyle/>
           <a:p>
-            <a:fld id="{A96A49FB-3899-4BC6-B889-CCF5B6F507F7}" type="datetimeFigureOut">
+            <a:fld id="{DFE2183D-8D7F-44FD-8699-A6EF79D5E271}" type="datetimeFigureOut">
               <a:rPr lang="en-US" smtClean="0"/>
               <a:t>11/7/2009</a:t>
             </a:fld>
@@ -2048,7 +2048,7 @@
       </p:sp>
       <p:sp>
         <p:nvSpPr>
-          <p:cNvPr id="4" name="Footer Placeholder 3"/>
+          <p:cNvPr id="4" name="Footer Placeholder 3" title=""/>
           <p:cNvSpPr>
             <a:spLocks noGrp="1"/>
           </p:cNvSpPr>
@@ -2067,7 +2067,7 @@
       </p:sp>
       <p:sp>
         <p:nvSpPr>
-          <p:cNvPr id="5" name="Slide Number Placeholder 4"/>
+          <p:cNvPr id="5" name="Slide Number Placeholder 4" title=""/>
           <p:cNvSpPr>
             <a:spLocks noGrp="1"/>
           </p:cNvSpPr>
@@ -2099,11 +2099,11 @@
 </file>
 
 <file path=ppt/slideLayouts/slideLayout7.xml><?xml version="1.0" encoding="utf-8"?>
-<p:sldLayout xmlns:a="http://schemas.openxmlformats.org/drawingml/2006/main" xmlns:r="http://schemas.openxmlformats.org/officeDocument/2006/relationships" xmlns:p14="http://schemas.microsoft.com/office/powerpoint/2010/main" xmlns:a14="http://schemas.microsoft.com/office/drawing/2010/main" xmlns:p15="http://schemas.microsoft.com/office/powerpoint/2012/main" xmlns:p159="http://schemas.microsoft.com/office/powerpoint/2015/09/main" xmlns:p="http://schemas.openxmlformats.org/presentationml/2006/main" type="blank" preserve="1">
+<p:sldLayout xmlns:a="http://schemas.openxmlformats.org/drawingml/2006/main" xmlns:r="http://schemas.openxmlformats.org/officeDocument/2006/relationships" xmlns:m="http://schemas.openxmlformats.org/officeDocument/2006/math" xmlns:w="http://schemas.openxmlformats.org/wordprocessingml/2006/main" xmlns:wp="http://schemas.openxmlformats.org/drawingml/2006/wordprocessingDrawing" xmlns:a14="http://schemas.microsoft.com/office/drawing/2010/main" xmlns:mc="http://schemas.openxmlformats.org/markup-compatibility/2006" xmlns:p14="http://schemas.microsoft.com/office/powerpoint/2010/main" xmlns:p15="http://schemas.microsoft.com/office/powerpoint/2012/main" xmlns:p159="http://schemas.microsoft.com/office/powerpoint/2015/09/main" xmlns:p="http://schemas.openxmlformats.org/presentationml/2006/main" type="blank" preserve="1">
   <p:cSld name="Blank">
     <p:spTree>
       <p:nvGrpSpPr>
-        <p:cNvPr id="1" name=""/>
+        <p:cNvPr id="1" name="" title=""/>
         <p:cNvGrpSpPr/>
         <p:nvPr/>
       </p:nvGrpSpPr>
@@ -2115,7 +2115,7 @@
       </p:grpSpPr>
       <p:sp>
         <p:nvSpPr>
-          <p:cNvPr id="2" name="Date Placeholder 1"/>
+          <p:cNvPr id="2" name="Date Placeholder 1" title=""/>
           <p:cNvSpPr>
             <a:spLocks noGrp="1"/>
           </p:cNvSpPr>
@@ -2128,7 +2128,7 @@
           <a:bodyPr/>
           <a:lstStyle/>
           <a:p>
-            <a:fld id="{621BCCBE-6CA4-4ACE-86CD-A44637922A1F}" type="datetimeFigureOut">
+            <a:fld id="{B4F2D961-B1B2-4531-BDE6-C52A1875A608}" type="datetimeFigureOut">
               <a:rPr lang="en-US" smtClean="0"/>
               <a:t>11/7/2009</a:t>
             </a:fld>
@@ -2138,7 +2138,7 @@
       </p:sp>
       <p:sp>
         <p:nvSpPr>
-          <p:cNvPr id="3" name="Footer Placeholder 2"/>
+          <p:cNvPr id="3" name="Footer Placeholder 2" title=""/>
           <p:cNvSpPr>
             <a:spLocks noGrp="1"/>
           </p:cNvSpPr>
@@ -2157,7 +2157,7 @@
       </p:sp>
       <p:sp>
         <p:nvSpPr>
-          <p:cNvPr id="4" name="Slide Number Placeholder 3"/>
+          <p:cNvPr id="4" name="Slide Number Placeholder 3" title=""/>
           <p:cNvSpPr>
             <a:spLocks noGrp="1"/>
           </p:cNvSpPr>
@@ -2189,11 +2189,11 @@
 </file>
 
 <file path=ppt/slideLayouts/slideLayout8.xml><?xml version="1.0" encoding="utf-8"?>
-<p:sldLayout xmlns:a="http://schemas.openxmlformats.org/drawingml/2006/main" xmlns:r="http://schemas.openxmlformats.org/officeDocument/2006/relationships" xmlns:p14="http://schemas.microsoft.com/office/powerpoint/2010/main" xmlns:a14="http://schemas.microsoft.com/office/drawing/2010/main" xmlns:p15="http://schemas.microsoft.com/office/powerpoint/2012/main" xmlns:p159="http://schemas.microsoft.com/office/powerpoint/2015/09/main" xmlns:p="http://schemas.openxmlformats.org/presentationml/2006/main" type="objTx" preserve="1">
+<p:sldLayout xmlns:a="http://schemas.openxmlformats.org/drawingml/2006/main" xmlns:r="http://schemas.openxmlformats.org/officeDocument/2006/relationships" xmlns:m="http://schemas.openxmlformats.org/officeDocument/2006/math" xmlns:w="http://schemas.openxmlformats.org/wordprocessingml/2006/main" xmlns:wp="http://schemas.openxmlformats.org/drawingml/2006/wordprocessingDrawing" xmlns:a14="http://schemas.microsoft.com/office/drawing/2010/main" xmlns:mc="http://schemas.openxmlformats.org/markup-compatibility/2006" xmlns:p14="http://schemas.microsoft.com/office/powerpoint/2010/main" xmlns:p15="http://schemas.microsoft.com/office/powerpoint/2012/main" xmlns:p159="http://schemas.microsoft.com/office/powerpoint/2015/09/main" xmlns:p="http://schemas.openxmlformats.org/presentationml/2006/main" type="objTx" preserve="1">
   <p:cSld name="Content with Caption">
     <p:spTree>
       <p:nvGrpSpPr>
-        <p:cNvPr id="1" name=""/>
+        <p:cNvPr id="1" name="" title=""/>
         <p:cNvGrpSpPr/>
         <p:nvPr/>
       </p:nvGrpSpPr>
@@ -2205,7 +2205,7 @@
       </p:grpSpPr>
       <p:sp>
         <p:nvSpPr>
-          <p:cNvPr id="2" name="Title 1"/>
+          <p:cNvPr id="2" name="Title 1" title=""/>
           <p:cNvSpPr>
             <a:spLocks noGrp="1"/>
           </p:cNvSpPr>
@@ -2232,7 +2232,7 @@
       </p:sp>
       <p:sp>
         <p:nvSpPr>
-          <p:cNvPr id="3" name="Content Placeholder 2"/>
+          <p:cNvPr id="3" name="Content Placeholder 2" title=""/>
           <p:cNvSpPr>
             <a:spLocks noGrp="1"/>
           </p:cNvSpPr>
@@ -2311,7 +2311,7 @@
       </p:sp>
       <p:sp>
         <p:nvSpPr>
-          <p:cNvPr id="4" name="Text Placeholder 3"/>
+          <p:cNvPr id="4" name="Text Placeholder 3" title=""/>
           <p:cNvSpPr>
             <a:spLocks noGrp="1"/>
           </p:cNvSpPr>
@@ -2370,7 +2370,7 @@
       </p:sp>
       <p:sp>
         <p:nvSpPr>
-          <p:cNvPr id="5" name="Date Placeholder 4"/>
+          <p:cNvPr id="5" name="Date Placeholder 4" title=""/>
           <p:cNvSpPr>
             <a:spLocks noGrp="1"/>
           </p:cNvSpPr>
@@ -2383,7 +2383,7 @@
           <a:bodyPr/>
           <a:lstStyle/>
           <a:p>
-            <a:fld id="{8F97DEAE-5F90-4F92-8267-161664EA8D7C}" type="datetimeFigureOut">
+            <a:fld id="{1EDFA350-F3C6-4F7B-996C-D92F5F7868F6}" type="datetimeFigureOut">
               <a:rPr lang="en-US" smtClean="0"/>
               <a:t>11/7/2009</a:t>
             </a:fld>
@@ -2393,7 +2393,7 @@
       </p:sp>
       <p:sp>
         <p:nvSpPr>
-          <p:cNvPr id="6" name="Footer Placeholder 5"/>
+          <p:cNvPr id="6" name="Footer Placeholder 5" title=""/>
           <p:cNvSpPr>
             <a:spLocks noGrp="1"/>
           </p:cNvSpPr>
@@ -2412,7 +2412,7 @@
       </p:sp>
       <p:sp>
         <p:nvSpPr>
-          <p:cNvPr id="7" name="Slide Number Placeholder 6"/>
+          <p:cNvPr id="7" name="Slide Number Placeholder 6" title=""/>
           <p:cNvSpPr>
             <a:spLocks noGrp="1"/>
           </p:cNvSpPr>
@@ -2444,11 +2444,11 @@
 </file>
 
 <file path=ppt/slideLayouts/slideLayout9.xml><?xml version="1.0" encoding="utf-8"?>
-<p:sldLayout xmlns:a="http://schemas.openxmlformats.org/drawingml/2006/main" xmlns:r="http://schemas.openxmlformats.org/officeDocument/2006/relationships" xmlns:p14="http://schemas.microsoft.com/office/powerpoint/2010/main" xmlns:a14="http://schemas.microsoft.com/office/drawing/2010/main" xmlns:p15="http://schemas.microsoft.com/office/powerpoint/2012/main" xmlns:p159="http://schemas.microsoft.com/office/powerpoint/2015/09/main" xmlns:p="http://schemas.openxmlformats.org/presentationml/2006/main" type="picTx" preserve="1">
+<p:sldLayout xmlns:a="http://schemas.openxmlformats.org/drawingml/2006/main" xmlns:r="http://schemas.openxmlformats.org/officeDocument/2006/relationships" xmlns:m="http://schemas.openxmlformats.org/officeDocument/2006/math" xmlns:w="http://schemas.openxmlformats.org/wordprocessingml/2006/main" xmlns:wp="http://schemas.openxmlformats.org/drawingml/2006/wordprocessingDrawing" xmlns:a14="http://schemas.microsoft.com/office/drawing/2010/main" xmlns:mc="http://schemas.openxmlformats.org/markup-compatibility/2006" xmlns:p14="http://schemas.microsoft.com/office/powerpoint/2010/main" xmlns:p15="http://schemas.microsoft.com/office/powerpoint/2012/main" xmlns:p159="http://schemas.microsoft.com/office/powerpoint/2015/09/main" xmlns:p="http://schemas.openxmlformats.org/presentationml/2006/main" type="picTx" preserve="1">
   <p:cSld name="Picture with Caption">
     <p:spTree>
       <p:nvGrpSpPr>
-        <p:cNvPr id="1" name=""/>
+        <p:cNvPr id="1" name="" title=""/>
         <p:cNvGrpSpPr/>
         <p:nvPr/>
       </p:nvGrpSpPr>
@@ -2460,7 +2460,7 @@
       </p:grpSpPr>
       <p:sp>
         <p:nvSpPr>
-          <p:cNvPr id="2" name="Title 1"/>
+          <p:cNvPr id="2" name="Title 1" title=""/>
           <p:cNvSpPr>
             <a:spLocks noGrp="1"/>
           </p:cNvSpPr>
@@ -2487,7 +2487,7 @@
       </p:sp>
       <p:sp>
         <p:nvSpPr>
-          <p:cNvPr id="3" name="Picture Placeholder 2"/>
+          <p:cNvPr id="3" name="Picture Placeholder 2" title=""/>
           <p:cNvSpPr>
             <a:spLocks noGrp="1"/>
           </p:cNvSpPr>
@@ -2543,7 +2543,7 @@
       </p:sp>
       <p:sp>
         <p:nvSpPr>
-          <p:cNvPr id="4" name="Text Placeholder 3"/>
+          <p:cNvPr id="4" name="Text Placeholder 3" title=""/>
           <p:cNvSpPr>
             <a:spLocks noGrp="1"/>
           </p:cNvSpPr>
@@ -2602,7 +2602,7 @@
       </p:sp>
       <p:sp>
         <p:nvSpPr>
-          <p:cNvPr id="5" name="Date Placeholder 4"/>
+          <p:cNvPr id="5" name="Date Placeholder 4" title=""/>
           <p:cNvSpPr>
             <a:spLocks noGrp="1"/>
           </p:cNvSpPr>
@@ -2615,7 +2615,7 @@
           <a:bodyPr/>
           <a:lstStyle/>
           <a:p>
-            <a:fld id="{BF915F87-CEE4-4387-B2F8-9C57D6C40FB6}" type="datetimeFigureOut">
+            <a:fld id="{59767C86-22C0-4911-8699-D89C7B4852A0}" type="datetimeFigureOut">
               <a:rPr lang="en-US" smtClean="0"/>
               <a:t>11/7/2009</a:t>
             </a:fld>
@@ -2625,7 +2625,7 @@
       </p:sp>
       <p:sp>
         <p:nvSpPr>
-          <p:cNvPr id="6" name="Footer Placeholder 5"/>
+          <p:cNvPr id="6" name="Footer Placeholder 5" title=""/>
           <p:cNvSpPr>
             <a:spLocks noGrp="1"/>
           </p:cNvSpPr>
@@ -2644,7 +2644,7 @@
       </p:sp>
       <p:sp>
         <p:nvSpPr>
-          <p:cNvPr id="7" name="Slide Number Placeholder 6"/>
+          <p:cNvPr id="7" name="Slide Number Placeholder 6" title=""/>
           <p:cNvSpPr>
             <a:spLocks noGrp="1"/>
           </p:cNvSpPr>
@@ -2676,7 +2676,7 @@
 </file>
 
 <file path=ppt/slideMasters/slideMaster1.xml><?xml version="1.0" encoding="utf-8"?>
-<p:sldMaster xmlns:a="http://schemas.openxmlformats.org/drawingml/2006/main" xmlns:r="http://schemas.openxmlformats.org/officeDocument/2006/relationships" xmlns:p14="http://schemas.microsoft.com/office/powerpoint/2010/main" xmlns:a14="http://schemas.microsoft.com/office/drawing/2010/main" xmlns:p15="http://schemas.microsoft.com/office/powerpoint/2012/main" xmlns:p159="http://schemas.microsoft.com/office/powerpoint/2015/09/main" xmlns:p="http://schemas.openxmlformats.org/presentationml/2006/main">
+<p:sldMaster xmlns:a="http://schemas.openxmlformats.org/drawingml/2006/main" xmlns:r="http://schemas.openxmlformats.org/officeDocument/2006/relationships" xmlns:m="http://schemas.openxmlformats.org/officeDocument/2006/math" xmlns:w="http://schemas.openxmlformats.org/wordprocessingml/2006/main" xmlns:wp="http://schemas.openxmlformats.org/drawingml/2006/wordprocessingDrawing" xmlns:a14="http://schemas.microsoft.com/office/drawing/2010/main" xmlns:mc="http://schemas.openxmlformats.org/markup-compatibility/2006" xmlns:p14="http://schemas.microsoft.com/office/powerpoint/2010/main" xmlns:p15="http://schemas.microsoft.com/office/powerpoint/2012/main" xmlns:p159="http://schemas.microsoft.com/office/powerpoint/2015/09/main" xmlns:p="http://schemas.openxmlformats.org/presentationml/2006/main">
   <p:cSld>
     <p:bg>
       <p:bgRef idx="1001">
@@ -2685,7 +2685,7 @@
     </p:bg>
     <p:spTree>
       <p:nvGrpSpPr>
-        <p:cNvPr id="1" name=""/>
+        <p:cNvPr id="1" name="" title=""/>
         <p:cNvGrpSpPr/>
         <p:nvPr/>
       </p:nvGrpSpPr>
@@ -2697,7 +2697,7 @@
       </p:grpSpPr>
       <p:sp>
         <p:nvSpPr>
-          <p:cNvPr id="2" name="Title Placeholder 1"/>
+          <p:cNvPr id="2" name="Title Placeholder 1" title=""/>
           <p:cNvSpPr>
             <a:spLocks noGrp="1"/>
           </p:cNvSpPr>
@@ -2730,7 +2730,7 @@
       </p:sp>
       <p:sp>
         <p:nvSpPr>
-          <p:cNvPr id="3" name="Text Placeholder 2"/>
+          <p:cNvPr id="3" name="Text Placeholder 2" title=""/>
           <p:cNvSpPr>
             <a:spLocks noGrp="1"/>
           </p:cNvSpPr>
@@ -2791,7 +2791,7 @@
       </p:sp>
       <p:sp>
         <p:nvSpPr>
-          <p:cNvPr id="4" name="Date Placeholder 3"/>
+          <p:cNvPr id="4" name="Date Placeholder 3" title=""/>
           <p:cNvSpPr>
             <a:spLocks noGrp="1"/>
           </p:cNvSpPr>
@@ -2832,7 +2832,7 @@
       </p:sp>
       <p:sp>
         <p:nvSpPr>
-          <p:cNvPr id="5" name="Footer Placeholder 4"/>
+          <p:cNvPr id="5" name="Footer Placeholder 4" title=""/>
           <p:cNvSpPr>
             <a:spLocks noGrp="1"/>
           </p:cNvSpPr>
@@ -2869,7 +2869,7 @@
       </p:sp>
       <p:sp>
         <p:nvSpPr>
-          <p:cNvPr id="6" name="Slide Number Placeholder 5"/>
+          <p:cNvPr id="6" name="Slide Number Placeholder 5" title=""/>
           <p:cNvSpPr>
             <a:spLocks noGrp="1"/>
           </p:cNvSpPr>
@@ -3180,11 +3180,11 @@
 </file>
 
 <file path=ppt/slides/slide1.xml><?xml version="1.0" encoding="utf-8"?>
-<p:sld xmlns:a="http://schemas.openxmlformats.org/drawingml/2006/main" xmlns:r="http://schemas.openxmlformats.org/officeDocument/2006/relationships" xmlns:p14="http://schemas.microsoft.com/office/powerpoint/2010/main" xmlns:a14="http://schemas.microsoft.com/office/drawing/2010/main" xmlns:p15="http://schemas.microsoft.com/office/powerpoint/2012/main" xmlns:p159="http://schemas.microsoft.com/office/powerpoint/2015/09/main" xmlns:p="http://schemas.openxmlformats.org/presentationml/2006/main">
+<p:sld xmlns:a="http://schemas.openxmlformats.org/drawingml/2006/main" xmlns:r="http://schemas.openxmlformats.org/officeDocument/2006/relationships" xmlns:m="http://schemas.openxmlformats.org/officeDocument/2006/math" xmlns:w="http://schemas.openxmlformats.org/wordprocessingml/2006/main" xmlns:wp="http://schemas.openxmlformats.org/drawingml/2006/wordprocessingDrawing" xmlns:a14="http://schemas.microsoft.com/office/drawing/2010/main" xmlns:mc="http://schemas.openxmlformats.org/markup-compatibility/2006" xmlns:p14="http://schemas.microsoft.com/office/powerpoint/2010/main" xmlns:p15="http://schemas.microsoft.com/office/powerpoint/2012/main" xmlns:p159="http://schemas.microsoft.com/office/powerpoint/2015/09/main" xmlns:p="http://schemas.openxmlformats.org/presentationml/2006/main">
   <p:cSld name="">
     <p:spTree>
       <p:nvGrpSpPr>
-        <p:cNvPr id="1" name=""/>
+        <p:cNvPr id="1" name="" title=""/>
         <p:cNvGrpSpPr/>
         <p:nvPr/>
       </p:nvGrpSpPr>
@@ -3196,7 +3196,7 @@
       </p:grpSpPr>
       <p:graphicFrame>
         <p:nvGraphicFramePr>
-          <p:cNvPr id="2" name="ChartObject"/>
+          <p:cNvPr id="2" name="ChartObject" title=""/>
           <p:cNvGraphicFramePr/>
           <p:nvPr/>
         </p:nvGraphicFramePr>
@@ -3210,6 +3210,77 @@
           </a:graphicData>
         </a:graphic>
       </p:graphicFrame>
+      <p:sp>
+        <p:nvSpPr>
+          <p:cNvPr id="3" name="TextBox"/>
+          <p:cNvSpPr txBox="1">
+            <a:spLocks noGrp="1" noSelect="1" noRot="1" noMove="1"/>
+          </p:cNvSpPr>
+          <p:nvPr/>
+        </p:nvSpPr>
+        <p:spPr>
+          <a:xfrm>
+            <a:off x="1366520" y="2644140"/>
+            <a:ext cx="6411372" cy="1569660"/>
+          </a:xfrm>
+          <a:prstGeom prst="rect">
+            <a:avLst/>
+          </a:prstGeom>
+          <a:noFill/>
+        </p:spPr>
+        <p:txBody>
+          <a:bodyPr wrap="none" rtlCol="0" anchor="ctr" anchorCtr="1">
+            <a:spAutoFit/>
+          </a:bodyPr>
+          <a:lstStyle>
+            <a:lvl1pPr algn="l">
+              <a:lnSpc>
+                <a:spcPct val="150000"/>
+              </a:lnSpc>
+              <a:spcBef>
+                <a:spcPct val="0"/>
+              </a:spcBef>
+              <a:spcAft>
+                <a:spcPct val="0"/>
+              </a:spcAft>
+              <a:defRPr lang="en-US" sz="3200" b="1" noProof="1" dirty="0">
+                <a:solidFill>
+                  <a:prstClr val="red">
+                    <a:lumOff val="30000"/>
+                    <a:alpha val="40000"/>
+                  </a:prstClr>
+                </a:solidFill>
+                <a:effectLst>
+                  <a:outerShdw blurRad="50800" dist="38100" algn="tr" rotWithShape="0">
+                    <a:prstClr val="black">
+                      <a:alpha val="80000"/>
+                    </a:prstClr>
+                  </a:outerShdw>
+                </a:effectLst>
+                <a:latin typeface="Calibri" pitchFamily="34" charset="0"/>
+              </a:defRPr>
+            </a:lvl1pPr>
+          </a:lstStyle>
+          <a:p>
+            <a:pPr algn="ctr"/>
+            <a:r>
+              <a:t>Evaluation only.</a:t>
+            </a:r>
+          </a:p>
+          <a:p>
+            <a:pPr algn="ctr"/>
+            <a:r>
+              <a:t>Created with Aspose.Slides for .NET 4.0 Client Profile 21.12.</a:t>
+            </a:r>
+          </a:p>
+          <a:p>
+            <a:pPr algn="ctr"/>
+            <a:r>
+              <a:t>Copyright 2004-2021Aspose Pty Ltd.</a:t>
+            </a:r>
+          </a:p>
+        </p:txBody>
+      </p:sp>
     </p:spTree>
   </p:cSld>
   <p:clrMapOvr>
@@ -3223,10 +3294,10 @@
 <file path=ppt/tags/tag1.xml><?xml version="1.0" encoding="utf-8"?>
 <p:tagLst xmlns:p="http://schemas.openxmlformats.org/presentationml/2006/main">
   <p:tag name="AS_NET" val="4.0.30319.42000"/>
-  <p:tag name="AS_OS" val="Microsoft Windows NT 6.2.9200.0"/>
-  <p:tag name="AS_RELEASE_DATE" val="2019.06.14"/>
+  <p:tag name="AS_OS" val="Microsoft Windows NT 6.3.9600.0"/>
+  <p:tag name="AS_RELEASE_DATE" val="2021.12.14"/>
   <p:tag name="AS_TITLE" val="Aspose.Slides for .NET 4.0 Client Profile"/>
-  <p:tag name="AS_VERSION" val="19.6"/>
+  <p:tag name="AS_VERSION" val="21.12"/>
 </p:tagLst>
 </file>
 
